--- a/template.pptx
+++ b/template.pptx
@@ -2856,8 +2856,8 @@
         </p:nvSpPr>
         <p:spPr>
           <a:xfrm>
-            <a:off x="-2065843" y="2754923"/>
-            <a:ext cx="13275686" cy="2554545"/>
+            <a:off x="-1370417" y="2361028"/>
+            <a:ext cx="10514417" cy="3170099"/>
           </a:xfrm>
           <a:prstGeom prst="rect">
             <a:avLst/>
@@ -2979,6 +2979,25 @@
                 </a:ln>
               </a:rPr>
               <a:t>を少々で</a:t>
+            </a:r>
+            <a:endParaRPr lang="en-US" altLang="ja-JP" sz="4000" b="1" dirty="0">
+              <a:ln w="12700">
+                <a:solidFill>
+                  <a:schemeClr val="bg1"/>
+                </a:solidFill>
+              </a:ln>
+            </a:endParaRPr>
+          </a:p>
+          <a:p>
+            <a:r>
+              <a:rPr kumimoji="1" lang="en-US" altLang="ja-JP" sz="4000" b="1" dirty="0">
+                <a:ln w="12700">
+                  <a:solidFill>
+                    <a:schemeClr val="bg1"/>
+                  </a:solidFill>
+                </a:ln>
+              </a:rPr>
+              <a:t>	</a:t>
             </a:r>
             <a:r>
               <a:rPr kumimoji="1" lang="ja-JP" altLang="en-US" sz="4000" b="1">
